--- a/16-17.Chơi nhạc Việt Demo skill chơi nhạc và cách quản lý file nhạc trên S3 AWS/Chơi nhạc Việt phần 2. Làm skill chơi nhạc.pptx
+++ b/16-17.Chơi nhạc Việt Demo skill chơi nhạc và cách quản lý file nhạc trên S3 AWS/Chơi nhạc Việt phần 2. Làm skill chơi nhạc.pptx
@@ -5,13 +5,14 @@
     <p:sldMasterId id="2147483648" r:id="rId1"/>
   </p:sldMasterIdLst>
   <p:notesMasterIdLst>
-    <p:notesMasterId r:id="rId6"/>
+    <p:notesMasterId r:id="rId7"/>
   </p:notesMasterIdLst>
   <p:sldIdLst>
     <p:sldId id="285" r:id="rId2"/>
     <p:sldId id="310" r:id="rId3"/>
     <p:sldId id="308" r:id="rId4"/>
     <p:sldId id="311" r:id="rId5"/>
+    <p:sldId id="312" r:id="rId6"/>
   </p:sldIdLst>
   <p:sldSz cx="12192000" cy="6858000"/>
   <p:notesSz cx="6858000" cy="9144000"/>
@@ -141,7 +142,7 @@
   <pc:docChgLst>
     <pc:chgData name="Huong Nguyen" userId="a3438fb82b5343a2" providerId="LiveId" clId="{CAAC6EC9-6033-475A-8F02-58C664BBF908}"/>
     <pc:docChg chg="undo custSel addSld modSld">
-      <pc:chgData name="Huong Nguyen" userId="a3438fb82b5343a2" providerId="LiveId" clId="{CAAC6EC9-6033-475A-8F02-58C664BBF908}" dt="2018-09-25T14:25:36.169" v="750" actId="20577"/>
+      <pc:chgData name="Huong Nguyen" userId="a3438fb82b5343a2" providerId="LiveId" clId="{CAAC6EC9-6033-475A-8F02-58C664BBF908}" dt="2018-09-29T13:17:38.772" v="838" actId="20577"/>
       <pc:docMkLst>
         <pc:docMk/>
       </pc:docMkLst>
@@ -199,8 +200,8 @@
           </ac:picMkLst>
         </pc:picChg>
       </pc:sldChg>
-      <pc:sldChg chg="addSp delSp modSp">
-        <pc:chgData name="Huong Nguyen" userId="a3438fb82b5343a2" providerId="LiveId" clId="{CAAC6EC9-6033-475A-8F02-58C664BBF908}" dt="2018-09-25T14:07:21.414" v="749" actId="1076"/>
+      <pc:sldChg chg="addSp delSp modSp modAnim">
+        <pc:chgData name="Huong Nguyen" userId="a3438fb82b5343a2" providerId="LiveId" clId="{CAAC6EC9-6033-475A-8F02-58C664BBF908}" dt="2018-09-29T11:34:53.932" v="756" actId="14100"/>
         <pc:sldMkLst>
           <pc:docMk/>
           <pc:sldMk cId="1195403567" sldId="310"/>
@@ -227,6 +228,14 @@
             <pc:docMk/>
             <pc:sldMk cId="1195403567" sldId="310"/>
             <ac:spMk id="17" creationId="{471A9195-384A-498F-BE53-BE4CF7BD9E00}"/>
+          </ac:spMkLst>
+        </pc:spChg>
+        <pc:spChg chg="add mod ord">
+          <ac:chgData name="Huong Nguyen" userId="a3438fb82b5343a2" providerId="LiveId" clId="{CAAC6EC9-6033-475A-8F02-58C664BBF908}" dt="2018-09-29T11:34:53.932" v="756" actId="14100"/>
+          <ac:spMkLst>
+            <pc:docMk/>
+            <pc:sldMk cId="1195403567" sldId="310"/>
+            <ac:spMk id="19" creationId="{08F5552A-76F2-408D-8250-85A78ABEC161}"/>
           </ac:spMkLst>
         </pc:spChg>
         <pc:spChg chg="add mod">
@@ -317,6 +326,29 @@
           </ac:picMkLst>
         </pc:picChg>
       </pc:sldChg>
+      <pc:sldChg chg="modSp add">
+        <pc:chgData name="Huong Nguyen" userId="a3438fb82b5343a2" providerId="LiveId" clId="{CAAC6EC9-6033-475A-8F02-58C664BBF908}" dt="2018-09-29T13:17:38.772" v="838" actId="20577"/>
+        <pc:sldMkLst>
+          <pc:docMk/>
+          <pc:sldMk cId="3451230672" sldId="312"/>
+        </pc:sldMkLst>
+        <pc:spChg chg="mod">
+          <ac:chgData name="Huong Nguyen" userId="a3438fb82b5343a2" providerId="LiveId" clId="{CAAC6EC9-6033-475A-8F02-58C664BBF908}" dt="2018-09-29T13:17:21.051" v="836" actId="20577"/>
+          <ac:spMkLst>
+            <pc:docMk/>
+            <pc:sldMk cId="3451230672" sldId="312"/>
+            <ac:spMk id="2" creationId="{DD63F4BD-35DE-41A7-BA01-01DFF687E3C3}"/>
+          </ac:spMkLst>
+        </pc:spChg>
+        <pc:spChg chg="mod">
+          <ac:chgData name="Huong Nguyen" userId="a3438fb82b5343a2" providerId="LiveId" clId="{CAAC6EC9-6033-475A-8F02-58C664BBF908}" dt="2018-09-29T13:17:38.772" v="838" actId="20577"/>
+          <ac:spMkLst>
+            <pc:docMk/>
+            <pc:sldMk cId="3451230672" sldId="312"/>
+            <ac:spMk id="3" creationId="{7BC946C3-651F-4C92-80C9-F10FD0F2CBE9}"/>
+          </ac:spMkLst>
+        </pc:spChg>
+      </pc:sldChg>
     </pc:docChg>
   </pc:docChgLst>
 </pc:chgInfo>
@@ -404,7 +436,7 @@
           <a:p>
             <a:fld id="{7C73E1C4-0E57-49E6-A5B1-CF2F2E9F2E1A}" type="datetimeFigureOut">
               <a:rPr lang="en-US" smtClean="0"/>
-              <a:t>09/25/2018</a:t>
+              <a:t>09/29/2018</a:t>
             </a:fld>
             <a:endParaRPr lang="en-US"/>
           </a:p>
@@ -992,7 +1024,7 @@
           <a:p>
             <a:fld id="{F1C761E4-4213-4FD4-9B54-B60716A2CCD2}" type="datetimeFigureOut">
               <a:rPr lang="en-US" smtClean="0"/>
-              <a:t>09/25/2018</a:t>
+              <a:t>09/29/2018</a:t>
             </a:fld>
             <a:endParaRPr lang="en-US"/>
           </a:p>
@@ -1192,7 +1224,7 @@
           <a:p>
             <a:fld id="{F1C761E4-4213-4FD4-9B54-B60716A2CCD2}" type="datetimeFigureOut">
               <a:rPr lang="en-US" smtClean="0"/>
-              <a:t>09/25/2018</a:t>
+              <a:t>09/29/2018</a:t>
             </a:fld>
             <a:endParaRPr lang="en-US"/>
           </a:p>
@@ -1402,7 +1434,7 @@
           <a:p>
             <a:fld id="{F1C761E4-4213-4FD4-9B54-B60716A2CCD2}" type="datetimeFigureOut">
               <a:rPr lang="en-US" smtClean="0"/>
-              <a:t>09/25/2018</a:t>
+              <a:t>09/29/2018</a:t>
             </a:fld>
             <a:endParaRPr lang="en-US"/>
           </a:p>
@@ -1834,7 +1866,7 @@
           <a:p>
             <a:fld id="{F1C761E4-4213-4FD4-9B54-B60716A2CCD2}" type="datetimeFigureOut">
               <a:rPr lang="en-US" smtClean="0"/>
-              <a:t>09/25/2018</a:t>
+              <a:t>09/29/2018</a:t>
             </a:fld>
             <a:endParaRPr lang="en-US"/>
           </a:p>
@@ -2110,7 +2142,7 @@
           <a:p>
             <a:fld id="{F1C761E4-4213-4FD4-9B54-B60716A2CCD2}" type="datetimeFigureOut">
               <a:rPr lang="en-US" smtClean="0"/>
-              <a:t>09/25/2018</a:t>
+              <a:t>09/29/2018</a:t>
             </a:fld>
             <a:endParaRPr lang="en-US"/>
           </a:p>
@@ -2378,7 +2410,7 @@
           <a:p>
             <a:fld id="{F1C761E4-4213-4FD4-9B54-B60716A2CCD2}" type="datetimeFigureOut">
               <a:rPr lang="en-US" smtClean="0"/>
-              <a:t>09/25/2018</a:t>
+              <a:t>09/29/2018</a:t>
             </a:fld>
             <a:endParaRPr lang="en-US"/>
           </a:p>
@@ -2793,7 +2825,7 @@
           <a:p>
             <a:fld id="{F1C761E4-4213-4FD4-9B54-B60716A2CCD2}" type="datetimeFigureOut">
               <a:rPr lang="en-US" smtClean="0"/>
-              <a:t>09/25/2018</a:t>
+              <a:t>09/29/2018</a:t>
             </a:fld>
             <a:endParaRPr lang="en-US"/>
           </a:p>
@@ -2935,7 +2967,7 @@
           <a:p>
             <a:fld id="{F1C761E4-4213-4FD4-9B54-B60716A2CCD2}" type="datetimeFigureOut">
               <a:rPr lang="en-US" smtClean="0"/>
-              <a:t>09/25/2018</a:t>
+              <a:t>09/29/2018</a:t>
             </a:fld>
             <a:endParaRPr lang="en-US"/>
           </a:p>
@@ -3048,7 +3080,7 @@
           <a:p>
             <a:fld id="{F1C761E4-4213-4FD4-9B54-B60716A2CCD2}" type="datetimeFigureOut">
               <a:rPr lang="en-US" smtClean="0"/>
-              <a:t>09/25/2018</a:t>
+              <a:t>09/29/2018</a:t>
             </a:fld>
             <a:endParaRPr lang="en-US"/>
           </a:p>
@@ -3361,7 +3393,7 @@
           <a:p>
             <a:fld id="{F1C761E4-4213-4FD4-9B54-B60716A2CCD2}" type="datetimeFigureOut">
               <a:rPr lang="en-US" smtClean="0"/>
-              <a:t>09/25/2018</a:t>
+              <a:t>09/29/2018</a:t>
             </a:fld>
             <a:endParaRPr lang="en-US"/>
           </a:p>
@@ -3650,7 +3682,7 @@
           <a:p>
             <a:fld id="{F1C761E4-4213-4FD4-9B54-B60716A2CCD2}" type="datetimeFigureOut">
               <a:rPr lang="en-US" smtClean="0"/>
-              <a:t>09/25/2018</a:t>
+              <a:t>09/29/2018</a:t>
             </a:fld>
             <a:endParaRPr lang="en-US"/>
           </a:p>
@@ -3893,7 +3925,7 @@
           <a:p>
             <a:fld id="{F1C761E4-4213-4FD4-9B54-B60716A2CCD2}" type="datetimeFigureOut">
               <a:rPr lang="en-US" smtClean="0"/>
-              <a:t>09/25/2018</a:t>
+              <a:t>09/29/2018</a:t>
             </a:fld>
             <a:endParaRPr lang="en-US"/>
           </a:p>
@@ -4509,6 +4541,56 @@
       </p:grpSpPr>
       <p:sp>
         <p:nvSpPr>
+          <p:cNvPr id="19" name="Hình chữ nhật 18">
+            <a:extLst>
+              <a:ext uri="{FF2B5EF4-FFF2-40B4-BE49-F238E27FC236}">
+                <a16:creationId xmlns:a16="http://schemas.microsoft.com/office/drawing/2014/main" id="{08F5552A-76F2-408D-8250-85A78ABEC161}"/>
+              </a:ext>
+            </a:extLst>
+          </p:cNvPr>
+          <p:cNvSpPr/>
+          <p:nvPr/>
+        </p:nvSpPr>
+        <p:spPr>
+          <a:xfrm>
+            <a:off x="4734079" y="1581870"/>
+            <a:ext cx="5170086" cy="4719778"/>
+          </a:xfrm>
+          <a:prstGeom prst="rect">
+            <a:avLst/>
+          </a:prstGeom>
+          <a:ln w="19050">
+            <a:solidFill>
+              <a:srgbClr val="FF0000"/>
+            </a:solidFill>
+            <a:prstDash val="lgDash"/>
+          </a:ln>
+        </p:spPr>
+        <p:style>
+          <a:lnRef idx="2">
+            <a:schemeClr val="accent1"/>
+          </a:lnRef>
+          <a:fillRef idx="1">
+            <a:schemeClr val="lt1"/>
+          </a:fillRef>
+          <a:effectRef idx="0">
+            <a:schemeClr val="accent1"/>
+          </a:effectRef>
+          <a:fontRef idx="minor">
+            <a:schemeClr val="dk1"/>
+          </a:fontRef>
+        </p:style>
+        <p:txBody>
+          <a:bodyPr rtlCol="0" anchor="ctr"/>
+          <a:lstStyle/>
+          <a:p>
+            <a:pPr algn="ctr"/>
+            <a:endParaRPr lang="en-US"/>
+          </a:p>
+        </p:txBody>
+      </p:sp>
+      <p:sp>
+        <p:nvSpPr>
           <p:cNvPr id="2" name="Title 1"/>
           <p:cNvSpPr>
             <a:spLocks noGrp="1"/>
@@ -6133,6 +6215,84 @@
   <p:clrMapOvr>
     <a:masterClrMapping/>
   </p:clrMapOvr>
+  <p:timing>
+    <p:tnLst>
+      <p:par>
+        <p:cTn id="1" dur="indefinite" restart="never" nodeType="tmRoot">
+          <p:childTnLst>
+            <p:seq concurrent="1" nextAc="seek">
+              <p:cTn id="2" dur="indefinite" nodeType="mainSeq">
+                <p:childTnLst>
+                  <p:par>
+                    <p:cTn id="3" fill="hold">
+                      <p:stCondLst>
+                        <p:cond delay="indefinite"/>
+                      </p:stCondLst>
+                      <p:childTnLst>
+                        <p:par>
+                          <p:cTn id="4" fill="hold">
+                            <p:stCondLst>
+                              <p:cond delay="0"/>
+                            </p:stCondLst>
+                            <p:childTnLst>
+                              <p:par>
+                                <p:cTn id="5" presetID="1" presetClass="entr" presetSubtype="0" fill="hold" grpId="0" nodeType="clickEffect">
+                                  <p:stCondLst>
+                                    <p:cond delay="0"/>
+                                  </p:stCondLst>
+                                  <p:childTnLst>
+                                    <p:set>
+                                      <p:cBhvr>
+                                        <p:cTn id="6" dur="1" fill="hold">
+                                          <p:stCondLst>
+                                            <p:cond delay="0"/>
+                                          </p:stCondLst>
+                                        </p:cTn>
+                                        <p:tgtEl>
+                                          <p:spTgt spid="19"/>
+                                        </p:tgtEl>
+                                        <p:attrNameLst>
+                                          <p:attrName>style.visibility</p:attrName>
+                                        </p:attrNameLst>
+                                      </p:cBhvr>
+                                      <p:to>
+                                        <p:strVal val="visible"/>
+                                      </p:to>
+                                    </p:set>
+                                  </p:childTnLst>
+                                </p:cTn>
+                              </p:par>
+                            </p:childTnLst>
+                          </p:cTn>
+                        </p:par>
+                      </p:childTnLst>
+                    </p:cTn>
+                  </p:par>
+                </p:childTnLst>
+              </p:cTn>
+              <p:prevCondLst>
+                <p:cond evt="onPrev" delay="0">
+                  <p:tgtEl>
+                    <p:sldTgt/>
+                  </p:tgtEl>
+                </p:cond>
+              </p:prevCondLst>
+              <p:nextCondLst>
+                <p:cond evt="onNext" delay="0">
+                  <p:tgtEl>
+                    <p:sldTgt/>
+                  </p:tgtEl>
+                </p:cond>
+              </p:nextCondLst>
+            </p:seq>
+          </p:childTnLst>
+        </p:cTn>
+      </p:par>
+    </p:tnLst>
+    <p:bldLst>
+      <p:bldP spid="19" grpId="0" animBg="1"/>
+    </p:bldLst>
+  </p:timing>
 </p:sld>
 </file>
 
@@ -6303,6 +6463,162 @@
     <p:extLst>
       <p:ext uri="{BB962C8B-B14F-4D97-AF65-F5344CB8AC3E}">
         <p14:creationId xmlns:p14="http://schemas.microsoft.com/office/powerpoint/2010/main" val="918245605"/>
+      </p:ext>
+    </p:extLst>
+  </p:cSld>
+  <p:clrMapOvr>
+    <a:masterClrMapping/>
+  </p:clrMapOvr>
+</p:sld>
+</file>
+
+<file path=ppt/slides/slide5.xml><?xml version="1.0" encoding="utf-8"?>
+<p:sld xmlns:a="http://schemas.openxmlformats.org/drawingml/2006/main" xmlns:r="http://schemas.openxmlformats.org/officeDocument/2006/relationships" xmlns:p="http://schemas.openxmlformats.org/presentationml/2006/main">
+  <p:cSld>
+    <p:spTree>
+      <p:nvGrpSpPr>
+        <p:cNvPr id="1" name=""/>
+        <p:cNvGrpSpPr/>
+        <p:nvPr/>
+      </p:nvGrpSpPr>
+      <p:grpSpPr>
+        <a:xfrm>
+          <a:off x="0" y="0"/>
+          <a:ext cx="0" cy="0"/>
+          <a:chOff x="0" y="0"/>
+          <a:chExt cx="0" cy="0"/>
+        </a:xfrm>
+      </p:grpSpPr>
+      <p:sp>
+        <p:nvSpPr>
+          <p:cNvPr id="2" name="Tiêu đề 1">
+            <a:extLst>
+              <a:ext uri="{FF2B5EF4-FFF2-40B4-BE49-F238E27FC236}">
+                <a16:creationId xmlns:a16="http://schemas.microsoft.com/office/drawing/2014/main" id="{DD63F4BD-35DE-41A7-BA01-01DFF687E3C3}"/>
+              </a:ext>
+            </a:extLst>
+          </p:cNvPr>
+          <p:cNvSpPr>
+            <a:spLocks noGrp="1"/>
+          </p:cNvSpPr>
+          <p:nvPr>
+            <p:ph type="title"/>
+          </p:nvPr>
+        </p:nvSpPr>
+        <p:spPr/>
+        <p:txBody>
+          <a:bodyPr/>
+          <a:lstStyle/>
+          <a:p>
+            <a:r>
+              <a:rPr lang="en-US" dirty="0" err="1"/>
+              <a:t>Tài</a:t>
+            </a:r>
+            <a:r>
+              <a:rPr lang="en-US" dirty="0"/>
+              <a:t> </a:t>
+            </a:r>
+            <a:r>
+              <a:rPr lang="en-US" dirty="0" err="1"/>
+              <a:t>liệu</a:t>
+            </a:r>
+            <a:r>
+              <a:rPr lang="en-US" dirty="0"/>
+              <a:t> </a:t>
+            </a:r>
+            <a:r>
+              <a:rPr lang="en-US" dirty="0" err="1"/>
+              <a:t>sử</a:t>
+            </a:r>
+            <a:r>
+              <a:rPr lang="en-US" dirty="0"/>
+              <a:t> </a:t>
+            </a:r>
+            <a:r>
+              <a:rPr lang="en-US" dirty="0" err="1"/>
+              <a:t>dụng</a:t>
+            </a:r>
+            <a:r>
+              <a:rPr lang="en-US" dirty="0"/>
+              <a:t> </a:t>
+            </a:r>
+            <a:r>
+              <a:rPr lang="en-US" dirty="0" err="1"/>
+              <a:t>trong</a:t>
+            </a:r>
+            <a:r>
+              <a:rPr lang="en-US" dirty="0"/>
+              <a:t> </a:t>
+            </a:r>
+            <a:r>
+              <a:rPr lang="en-US" dirty="0" err="1"/>
+              <a:t>bài</a:t>
+            </a:r>
+            <a:r>
+              <a:rPr lang="en-US" dirty="0"/>
+              <a:t> </a:t>
+            </a:r>
+            <a:r>
+              <a:rPr lang="en-US" dirty="0" err="1"/>
+              <a:t>học</a:t>
+            </a:r>
+            <a:endParaRPr lang="en-US" dirty="0"/>
+          </a:p>
+        </p:txBody>
+      </p:sp>
+      <p:sp>
+        <p:nvSpPr>
+          <p:cNvPr id="3" name="Chỗ dành sẵn cho Nội dung 2">
+            <a:extLst>
+              <a:ext uri="{FF2B5EF4-FFF2-40B4-BE49-F238E27FC236}">
+                <a16:creationId xmlns:a16="http://schemas.microsoft.com/office/drawing/2014/main" id="{7BC946C3-651F-4C92-80C9-F10FD0F2CBE9}"/>
+              </a:ext>
+            </a:extLst>
+          </p:cNvPr>
+          <p:cNvSpPr>
+            <a:spLocks noGrp="1"/>
+          </p:cNvSpPr>
+          <p:nvPr>
+            <p:ph idx="1"/>
+          </p:nvPr>
+        </p:nvSpPr>
+        <p:spPr/>
+        <p:txBody>
+          <a:bodyPr/>
+          <a:lstStyle/>
+          <a:p>
+            <a:endParaRPr lang="en-US" dirty="0"/>
+          </a:p>
+          <a:p>
+            <a:pPr marL="0" indent="0">
+              <a:buNone/>
+            </a:pPr>
+            <a:r>
+              <a:rPr lang="en-US" dirty="0">
+                <a:hlinkClick r:id="rId2"/>
+              </a:rPr>
+              <a:t>https://github.com/Huong-nt</a:t>
+            </a:r>
+            <a:r>
+              <a:rPr lang="en-US">
+                <a:hlinkClick r:id="rId2"/>
+              </a:rPr>
+              <a:t>/EduMall-KhoaHocIOT</a:t>
+            </a:r>
+            <a:endParaRPr lang="en-US"/>
+          </a:p>
+          <a:p>
+            <a:pPr marL="0" indent="0">
+              <a:buNone/>
+            </a:pPr>
+            <a:endParaRPr lang="en-US" dirty="0"/>
+          </a:p>
+        </p:txBody>
+      </p:sp>
+    </p:spTree>
+    <p:extLst>
+      <p:ext uri="{BB962C8B-B14F-4D97-AF65-F5344CB8AC3E}">
+        <p14:creationId xmlns:p14="http://schemas.microsoft.com/office/powerpoint/2010/main" val="3451230672"/>
       </p:ext>
     </p:extLst>
   </p:cSld>
